--- a/docs/Apprentice Bootcamp - Methodologies Part1.pptx
+++ b/docs/Apprentice Bootcamp - Methodologies Part1.pptx
@@ -9,13 +9,14 @@
     <p:sldId id="259" r:id="rId3"/>
     <p:sldId id="269" r:id="rId4"/>
     <p:sldId id="260" r:id="rId5"/>
-    <p:sldId id="264" r:id="rId6"/>
-    <p:sldId id="262" r:id="rId7"/>
-    <p:sldId id="265" r:id="rId8"/>
-    <p:sldId id="263" r:id="rId9"/>
-    <p:sldId id="266" r:id="rId10"/>
-    <p:sldId id="267" r:id="rId11"/>
-    <p:sldId id="268" r:id="rId12"/>
+    <p:sldId id="270" r:id="rId6"/>
+    <p:sldId id="264" r:id="rId7"/>
+    <p:sldId id="262" r:id="rId8"/>
+    <p:sldId id="265" r:id="rId9"/>
+    <p:sldId id="263" r:id="rId10"/>
+    <p:sldId id="266" r:id="rId11"/>
+    <p:sldId id="267" r:id="rId12"/>
+    <p:sldId id="268" r:id="rId13"/>
   </p:sldIdLst>
   <p:sldSz cx="12192000" cy="6858000"/>
   <p:notesSz cx="6858000" cy="9144000"/>
@@ -210,7 +211,59 @@
     </inkml:brush>
   </inkml:definitions>
   <inkml:trace contextRef="#ctx0" brushRef="#br0">0 1,'67'81,"108"90,-145-148,2-1,0-2,1-1,1-2,1-1,0-2,1-1,2-1,-13-4,24 9,1-2,0-3,1-1,1-3,-1-2,1-3,12-1,57-2,-22 2,0-4,0-5,25-7,-113 12,-1 0,1-1,-1 0,0 0,0-1,0 0,0-1,-1 0,0-1,0 0,0 0,-1-1,0 0,0 0,-1-1,1 0,-2 0,1-1,-1 0,-1 0,0 0,0-1,0 0,-2 0,1 0,-1 0,0 0,-1-1,-1 1,1-1,-2 0,0-4,0-4</inkml:trace>
-  <inkml:trace contextRef="#ctx0" brushRef="#br0" timeOffset="1255.632">1480 177,'-1'-1,"1"1,-1-1,1 0,-1 0,1 0,-1 0,1 0,-1 0,1 0,0 0,-1 0,1 0,0 0,0 0,0 0,0 0,0 0,0 0,0 0,0 0,1 0,-1 0,0 0,0 0,1 0,-1 0,1 1,-1-1,1 0,-1 0,1 0,0 0,-1 1,1-1,0 0,-1 0,1 1,0-1,0 1,0-1,0 1,0-1,0 1,-1-1,2 1,11-12,1 0,0 1,1 0,0 1,0 1,1 1,0 0,1 1,0 0,0 2,1 0,-1 1,1 0,0 2,0 0,11 1,-21 4,-1 0,1 0,0 1,-1 0,0 1,0 0,0 0,-1 0,1 1,-1 0,0 0,-1 1,0-1,0 1,0 0,-1 1,0-1,0 1,-1 0,0 0,-1 0,1 0,-1 0,-1 1,0-1,0 0,-1 1,0-1,0 1,-1-1,0 1,-1 3,10 54,3-1,-5-46</inkml:trace>
+  <inkml:trace contextRef="#ctx0" brushRef="#br0" timeOffset="1255.631">1480 177,'-1'-1,"1"1,-1-1,1 0,-1 0,1 0,-1 0,1 0,-1 0,1 0,0 0,-1 0,1 0,0 0,0 0,0 0,0 0,0 0,0 0,0 0,0 0,1 0,-1 0,0 0,0 0,1 0,-1 0,1 1,-1-1,1 0,-1 0,1 0,0 0,-1 1,1-1,0 0,-1 0,1 1,0-1,0 1,0-1,0 1,0-1,0 1,-1-1,2 1,11-12,1 0,0 1,1 0,0 1,0 1,1 1,0 0,1 1,0 0,0 2,1 0,-1 1,1 0,0 2,0 0,11 1,-21 4,-1 0,1 0,0 1,-1 0,0 1,0 0,0 0,-1 0,1 1,-1 0,0 0,-1 1,0-1,0 1,0 0,-1 1,0-1,0 1,-1 0,0 0,-1 0,1 0,-1 0,-1 1,0-1,0 0,-1 1,0-1,0 1,-1-1,0 1,-1 3,10 54,3-1,-5-46</inkml:trace>
+</inkml:ink>
+</file>
+
+<file path=ppt/ink/ink12.xml><?xml version="1.0" encoding="utf-8"?>
+<inkml:ink xmlns:inkml="http://www.w3.org/2003/InkML">
+  <inkml:definitions>
+    <inkml:context xml:id="ctx0">
+      <inkml:inkSource xml:id="inkSrc0">
+        <inkml:traceFormat>
+          <inkml:channel name="X" type="integer" min="-2.14748E9" max="2.14748E9" units="cm"/>
+          <inkml:channel name="Y" type="integer" min="-2.14748E9" max="2.14748E9" units="cm"/>
+        </inkml:traceFormat>
+        <inkml:channelProperties>
+          <inkml:channelProperty channel="X" name="resolution" value="1000" units="1/cm"/>
+          <inkml:channelProperty channel="Y" name="resolution" value="1000" units="1/cm"/>
+        </inkml:channelProperties>
+      </inkml:inkSource>
+      <inkml:timestamp xml:id="ts0" timeString="2019-03-11T21:54:54.343"/>
+    </inkml:context>
+    <inkml:brush xml:id="br0">
+      <inkml:brushProperty name="width" value="0.05" units="cm"/>
+      <inkml:brushProperty name="height" value="0.05" units="cm"/>
+      <inkml:brushProperty name="ignorePressure" value="1"/>
+    </inkml:brush>
+  </inkml:definitions>
+  <inkml:trace contextRef="#ctx0" brushRef="#br0">1 1</inkml:trace>
+</inkml:ink>
+</file>
+
+<file path=ppt/ink/ink13.xml><?xml version="1.0" encoding="utf-8"?>
+<inkml:ink xmlns:inkml="http://www.w3.org/2003/InkML">
+  <inkml:definitions>
+    <inkml:context xml:id="ctx0">
+      <inkml:inkSource xml:id="inkSrc0">
+        <inkml:traceFormat>
+          <inkml:channel name="X" type="integer" min="-2.14748E9" max="2.14748E9" units="cm"/>
+          <inkml:channel name="Y" type="integer" min="-2.14748E9" max="2.14748E9" units="cm"/>
+        </inkml:traceFormat>
+        <inkml:channelProperties>
+          <inkml:channelProperty channel="X" name="resolution" value="1000" units="1/cm"/>
+          <inkml:channelProperty channel="Y" name="resolution" value="1000" units="1/cm"/>
+        </inkml:channelProperties>
+      </inkml:inkSource>
+      <inkml:timestamp xml:id="ts0" timeString="2019-03-11T21:55:19.356"/>
+    </inkml:context>
+    <inkml:brush xml:id="br0">
+      <inkml:brushProperty name="width" value="0.05" units="cm"/>
+      <inkml:brushProperty name="height" value="0.05" units="cm"/>
+      <inkml:brushProperty name="ignorePressure" value="1"/>
+    </inkml:brush>
+  </inkml:definitions>
+  <inkml:trace contextRef="#ctx0" brushRef="#br0">1 0,'541'0,"-421"12,-48 11,45-8,-40 5,112-18,-171-2</inkml:trace>
 </inkml:ink>
 </file>
 
@@ -282,7 +335,7 @@
           <inkml:channelProperty channel="Y" name="resolution" value="1000" units="1/cm"/>
         </inkml:channelProperties>
       </inkml:inkSource>
-      <inkml:timestamp xml:id="ts0" timeString="2019-03-08T15:05:53.109"/>
+      <inkml:timestamp xml:id="ts0" timeString="2019-03-08T15:05:55.065"/>
     </inkml:context>
     <inkml:brush xml:id="br0">
       <inkml:brushProperty name="width" value="0.05" units="cm"/>
@@ -290,8 +343,7 @@
       <inkml:brushProperty name="ignorePressure" value="1"/>
     </inkml:brush>
   </inkml:definitions>
-  <inkml:trace contextRef="#ctx0" brushRef="#br0">24 0,'-24'72,"25"-48,1 1,2-1,0 0,1 0,1 0,2-1,0 0,9 17,-3-8,-12-24,1-1,0 1,0-1,1 0,0-1,0 1,0 0,1-1,0 0,0 0,1-1,-1 1,1-1,0 0,1-1,5 4,34 12,0-2,1-3,0-1,1-2,6-2,182 29,71-40,-285 1</inkml:trace>
-  <inkml:trace contextRef="#ctx0" brushRef="#br0" timeOffset="1956.749">853 389,'-1'1,"1"0,0 0,-1 0,1 0,0 0,0 0,-1 0,1 1,0-1,0 0,0 0,1 0,-1 0,0 0,0 0,1 0,-1 1,0-1,1 0,-1 0,1 0,0 0,-1 0,1 0,0-1,-1 1,1 0,0 0,0 0,0-1,0 1,0 0,0-1,0 1,0-1,0 1,0-1,0 0,0 1,0-1,0 0,0 0,1 1,192 98,-191-98,-1 0,0 0,1 1,-1-1,0 0,0 1,0-1,0 1,0 0,-1 0,1 0,0 0,-1 0,1 0,-1 0,0 0,0 1,0-1,0 0,0 1,0-1,-1 1,1-1,-1 1,1-1,-1 1,0 0,0-1,0 1,-1-1,1 1,-1-1,1 1,-1-1,0 1,0-1,0 0,0 1,0-1,-1 0,1 0,0 0,-1 0,0 0,0 0,-1 1,-98 73,-36-20,117-48</inkml:trace>
+  <inkml:trace contextRef="#ctx0" brushRef="#br0">853 389,'-1'1,"1"0,0 0,-1 0,1 0,0 0,0 0,-1 0,1 1,0-1,0 0,0 0,1 0,-1 0,0 0,0 0,1 0,-1 1,0-1,1 0,-1 0,1 0,0 0,-1 0,1 0,0-1,-1 1,1 0,0 0,0 0,0-1,0 1,0 0,0-1,0 1,0-1,0 1,0-1,0 0,0 1,0-1,0 0,0 0,1 1,192 98,-191-98,-1 0,0 0,1 1,-1-1,0 0,0 1,0-1,0 1,0 0,-1 0,1 0,0 0,-1 0,1 0,-1 0,0 0,0 1,0-1,0 0,0 1,0-1,-1 1,1-1,-1 1,1-1,-1 1,0 0,0-1,0 1,-1-1,1 1,-1-1,1 1,-1-1,0 1,0-1,0 0,0 1,0-1,-1 0,1 0,0 0,-1 0,0 0,0 0,-1 1,-98 73,-36-20,117-48</inkml:trace>
 </inkml:ink>
 </file>
 
@@ -373,7 +425,7 @@
     </inkml:brush>
   </inkml:definitions>
   <inkml:trace contextRef="#ctx0" brushRef="#br0">1016 0,'-16'3,"0"1,1 0,-1 2,1-1,0 2,1 0,-1 1,1 0,1 1,0 1,0 0,1 0,0 2,-5 5,-18 13,-19 19,2 2,3 3,2 1,2 3,3 2,2 1,-4 16,-51 193,81-216,-28 205,-10-49,0 32,44-215,1 0,2 0,0 0,2 1,1 0,1 0,2 0,0-1,6 27,-12-62,0-3</inkml:trace>
-  <inkml:trace contextRef="#ctx0" brushRef="#br0" timeOffset="1945.534">1 1723,'3'2,"1"0,-1 0,0 0,0 1,0-1,0 1,0 0,-1 0,1 0,-1 0,0 0,0 0,0 1,0-1,0 1,-1 0,0-1,1 1,-2 0,1 0,0 0,-1-1,1 4,3 9,-4-12,0 0,0 0,0 1,1-1,0 0,0 0,0 0,0 0,0 0,1 0,0 0,0-1,0 1,0-1,1 1,-1-1,1 0,0 0,0 0,0 0,0 0,0-1,1 1,-1-1,1 0,0 0,-1 0,1-1,0 1,0-1,0 0,0 0,0 0,1-1,-1 0,0 1,0-1,0-1,0 1,1-1,-1 1,0-1,0 0,0-1,0 1,0-1,1 0,2-6,0 0,0-1,-1 0,0 0,0 0,-1-1,0 0,-1 0,0 0,-1-1,0 1,0-1,0-8,8-23,-4 23</inkml:trace>
+  <inkml:trace contextRef="#ctx0" brushRef="#br0" timeOffset="1945.533">1 1723,'3'2,"1"0,-1 0,0 0,0 1,0-1,0 1,0 0,-1 0,1 0,-1 0,0 0,0 0,0 1,0-1,0 1,-1 0,0-1,1 1,-2 0,1 0,0 0,-1-1,1 4,3 9,-4-12,0 0,0 0,0 1,1-1,0 0,0 0,0 0,0 0,0 0,1 0,0 0,0-1,0 1,0-1,1 1,-1-1,1 0,0 0,0 0,0 0,0 0,0-1,1 1,-1-1,1 0,0 0,-1 0,1-1,0 1,0-1,0 0,0 0,0 0,1-1,-1 0,0 1,0-1,0-1,0 1,1-1,-1 1,0-1,0 0,0-1,0 1,0-1,1 0,2-6,0 0,0-1,-1 0,0 0,0 0,-1-1,0 0,-1 0,0 0,-1-1,0 1,0-1,0-8,8-23,-4 23</inkml:trace>
 </inkml:ink>
 </file>
 
@@ -429,7 +481,7 @@
     </inkml:brush>
   </inkml:definitions>
   <inkml:trace contextRef="#ctx0" brushRef="#br0">287 0,'-26'44,"-100"373,111-355,9-38</inkml:trace>
-  <inkml:trace contextRef="#ctx0" brushRef="#br0" timeOffset="1282.102">0 442,'29'32,"-19"-1,-1 1,-2 0,-2 1,-1 0,-1 0,-2 0,-1 17,0-50,0 0,1 0,-1 0,1 0,-1 0,1-1,-1 1,1 0,-1 0,0 0,1 0,-1 0,1 0,-1 1,1-1,-1 0,1 0,-1 0,0 0,1 0,-1 1,1-1,-1 0,0 0,1 1,-1-1,0 0,1 1,-1-1,0 0,0 1,1-1,-1 0,0 1,0-1,1 1,-1-1,18-46,144-284,-149 298</inkml:trace>
+  <inkml:trace contextRef="#ctx0" brushRef="#br0" timeOffset="1282.101">0 442,'29'32,"-19"-1,-1 1,-2 0,-2 1,-1 0,-1 0,-2 0,-1 17,0-50,0 0,1 0,-1 0,1 0,-1 0,1-1,-1 1,1 0,-1 0,0 0,1 0,-1 0,1 0,-1 1,1-1,-1 0,1 0,-1 0,0 0,1 0,-1 1,1-1,-1 0,0 0,1 1,-1-1,0 0,1 1,-1-1,0 0,0 1,1-1,-1 0,0 1,0-1,1 1,-1-1,18-46,144-284,-149 298</inkml:trace>
 </inkml:ink>
 </file>
 
@@ -4056,6 +4108,99 @@
           <a:chExt cx="0" cy="0"/>
         </a:xfrm>
       </p:grpSpPr>
+      <p:pic>
+        <p:nvPicPr>
+          <p:cNvPr id="5" name="Content Placeholder 4">
+            <a:extLst>
+              <a:ext uri="{FF2B5EF4-FFF2-40B4-BE49-F238E27FC236}">
+                <a16:creationId xmlns:a16="http://schemas.microsoft.com/office/drawing/2014/main" id="{3C3E7371-412F-40B8-8740-6BB962FA9C9F}"/>
+              </a:ext>
+            </a:extLst>
+          </p:cNvPr>
+          <p:cNvPicPr>
+            <a:picLocks noGrp="1" noChangeAspect="1"/>
+          </p:cNvPicPr>
+          <p:nvPr>
+            <p:ph idx="1"/>
+          </p:nvPr>
+        </p:nvPicPr>
+        <p:blipFill>
+          <a:blip r:embed="rId2">
+            <a:extLst>
+              <a:ext uri="{28A0092B-C50C-407E-A947-70E740481C1C}">
+                <a14:useLocalDpi xmlns:a14="http://schemas.microsoft.com/office/drawing/2010/main" val="0"/>
+              </a:ext>
+              <a:ext uri="{837473B0-CC2E-450A-ABE3-18F120FF3D39}">
+                <a1611:picAttrSrcUrl xmlns:a1611="http://schemas.microsoft.com/office/drawing/2016/11/main" r:id="rId3"/>
+              </a:ext>
+            </a:extLst>
+          </a:blip>
+          <a:stretch>
+            <a:fillRect/>
+          </a:stretch>
+        </p:blipFill>
+        <p:spPr>
+          <a:xfrm>
+            <a:off x="3768724" y="1493513"/>
+            <a:ext cx="4390451" cy="4390451"/>
+          </a:xfrm>
+        </p:spPr>
+      </p:pic>
+      <p:sp>
+        <p:nvSpPr>
+          <p:cNvPr id="3" name="Title 2"/>
+          <p:cNvSpPr>
+            <a:spLocks noGrp="1"/>
+          </p:cNvSpPr>
+          <p:nvPr>
+            <p:ph type="title"/>
+          </p:nvPr>
+        </p:nvSpPr>
+        <p:spPr/>
+        <p:txBody>
+          <a:bodyPr/>
+          <a:lstStyle/>
+          <a:p>
+            <a:r>
+              <a:rPr lang="en-US" dirty="0"/>
+              <a:t>Software Development Methodologies – Questions?</a:t>
+            </a:r>
+          </a:p>
+        </p:txBody>
+      </p:sp>
+    </p:spTree>
+    <p:extLst>
+      <p:ext uri="{BB962C8B-B14F-4D97-AF65-F5344CB8AC3E}">
+        <p14:creationId xmlns:p14="http://schemas.microsoft.com/office/powerpoint/2010/main" val="183255744"/>
+      </p:ext>
+    </p:extLst>
+  </p:cSld>
+  <p:clrMapOvr>
+    <a:masterClrMapping/>
+  </p:clrMapOvr>
+  <p:transition>
+    <p:wipe dir="r"/>
+  </p:transition>
+</p:sld>
+</file>
+
+<file path=ppt/slides/slide11.xml><?xml version="1.0" encoding="utf-8"?>
+<p:sld xmlns:a="http://schemas.openxmlformats.org/drawingml/2006/main" xmlns:r="http://schemas.openxmlformats.org/officeDocument/2006/relationships" xmlns:p="http://schemas.openxmlformats.org/presentationml/2006/main">
+  <p:cSld>
+    <p:spTree>
+      <p:nvGrpSpPr>
+        <p:cNvPr id="1" name=""/>
+        <p:cNvGrpSpPr/>
+        <p:nvPr/>
+      </p:nvGrpSpPr>
+      <p:grpSpPr>
+        <a:xfrm>
+          <a:off x="0" y="0"/>
+          <a:ext cx="0" cy="0"/>
+          <a:chOff x="0" y="0"/>
+          <a:chExt cx="0" cy="0"/>
+        </a:xfrm>
+      </p:grpSpPr>
       <p:sp>
         <p:nvSpPr>
           <p:cNvPr id="2" name="Content Placeholder 1"/>
@@ -4113,7 +4258,7 @@
 </p:sld>
 </file>
 
-<file path=ppt/slides/slide11.xml><?xml version="1.0" encoding="utf-8"?>
+<file path=ppt/slides/slide12.xml><?xml version="1.0" encoding="utf-8"?>
 <p:sld xmlns:a="http://schemas.openxmlformats.org/drawingml/2006/main" xmlns:r="http://schemas.openxmlformats.org/officeDocument/2006/relationships" xmlns:p="http://schemas.openxmlformats.org/presentationml/2006/main">
   <p:cSld>
     <p:spTree>
@@ -4211,9 +4356,16 @@
             <p:ph idx="1"/>
           </p:nvPr>
         </p:nvSpPr>
-        <p:spPr/>
+        <p:spPr>
+          <a:xfrm>
+            <a:off x="174171" y="1465957"/>
+            <a:ext cx="11582400" cy="1343795"/>
+          </a:xfrm>
+        </p:spPr>
         <p:txBody>
-          <a:bodyPr/>
+          <a:bodyPr>
+            <a:normAutofit fontScale="85000" lnSpcReduction="20000"/>
+          </a:bodyPr>
           <a:lstStyle/>
           <a:p>
             <a:r>
@@ -4230,7 +4382,7 @@
           <a:p>
             <a:r>
               <a:rPr lang="en-US" dirty="0"/>
-              <a:t>Disclaimer: All views are my own and may have been made up. Do not trust me!</a:t>
+              <a:t>Disclaimer: All views are my own and some have just been made up. Do not blindly trust me! Stop and ask questions at any point, and google it all afterwards to check I was not lying to you.</a:t>
             </a:r>
           </a:p>
         </p:txBody>
@@ -4252,7 +4404,7 @@
           <a:p>
             <a:r>
               <a:rPr lang="en-US" dirty="0"/>
-              <a:t>Software Development Methodologies – All pretty similar</a:t>
+              <a:t>Software Development Methodologies* – All pretty similar</a:t>
             </a:r>
           </a:p>
         </p:txBody>
@@ -4272,7 +4424,7 @@
               <p14:nvPr/>
             </p14:nvContentPartPr>
             <p14:xfrm>
-              <a:off x="531316" y="4450511"/>
+              <a:off x="348436" y="3864488"/>
               <a:ext cx="11053440" cy="195120"/>
             </p14:xfrm>
           </p:contentPart>
@@ -4298,8 +4450,8 @@
             </p:blipFill>
             <p:spPr>
               <a:xfrm>
-                <a:off x="522676" y="4441887"/>
-                <a:ext cx="11071080" cy="212728"/>
+                <a:off x="339436" y="3855488"/>
+                <a:ext cx="11071080" cy="212760"/>
               </a:xfrm>
               <a:prstGeom prst="rect">
                 <a:avLst/>
@@ -4322,7 +4474,7 @@
         </p:nvSpPr>
         <p:spPr>
           <a:xfrm>
-            <a:off x="849085" y="4608720"/>
+            <a:off x="666205" y="4022697"/>
             <a:ext cx="914400" cy="369332"/>
           </a:xfrm>
           <a:prstGeom prst="rect">
@@ -4360,7 +4512,7 @@
         </p:nvSpPr>
         <p:spPr>
           <a:xfrm>
-            <a:off x="2323322" y="4608720"/>
+            <a:off x="2140442" y="4022697"/>
             <a:ext cx="914400" cy="369332"/>
           </a:xfrm>
           <a:prstGeom prst="rect">
@@ -4398,7 +4550,7 @@
         </p:nvSpPr>
         <p:spPr>
           <a:xfrm>
-            <a:off x="3690981" y="4608720"/>
+            <a:off x="3508101" y="4022697"/>
             <a:ext cx="914400" cy="369332"/>
           </a:xfrm>
           <a:prstGeom prst="rect">
@@ -4436,7 +4588,7 @@
         </p:nvSpPr>
         <p:spPr>
           <a:xfrm>
-            <a:off x="5181600" y="4627176"/>
+            <a:off x="4998720" y="4041153"/>
             <a:ext cx="914400" cy="369332"/>
           </a:xfrm>
           <a:prstGeom prst="rect">
@@ -4474,7 +4626,7 @@
         </p:nvSpPr>
         <p:spPr>
           <a:xfrm>
-            <a:off x="6655837" y="4608720"/>
+            <a:off x="6472957" y="4022697"/>
             <a:ext cx="914400" cy="369332"/>
           </a:xfrm>
           <a:prstGeom prst="rect">
@@ -4512,7 +4664,7 @@
         </p:nvSpPr>
         <p:spPr>
           <a:xfrm>
-            <a:off x="8130074" y="4608720"/>
+            <a:off x="7947194" y="4022697"/>
             <a:ext cx="914400" cy="369332"/>
           </a:xfrm>
           <a:prstGeom prst="rect">
@@ -4550,7 +4702,7 @@
         </p:nvSpPr>
         <p:spPr>
           <a:xfrm>
-            <a:off x="9604311" y="4608720"/>
+            <a:off x="9421431" y="4022697"/>
             <a:ext cx="914400" cy="369332"/>
           </a:xfrm>
           <a:prstGeom prst="rect">
@@ -4588,7 +4740,7 @@
         </p:nvSpPr>
         <p:spPr>
           <a:xfrm>
-            <a:off x="536509" y="3933424"/>
+            <a:off x="353629" y="3347401"/>
             <a:ext cx="1539552" cy="369332"/>
           </a:xfrm>
           <a:prstGeom prst="rect">
@@ -4626,7 +4778,7 @@
         </p:nvSpPr>
         <p:spPr>
           <a:xfrm>
-            <a:off x="3135085" y="3980555"/>
+            <a:off x="2952205" y="3394532"/>
             <a:ext cx="914400" cy="369332"/>
           </a:xfrm>
           <a:prstGeom prst="rect">
@@ -4664,7 +4816,7 @@
         </p:nvSpPr>
         <p:spPr>
           <a:xfrm>
-            <a:off x="4049485" y="3962100"/>
+            <a:off x="3866605" y="3376077"/>
             <a:ext cx="914400" cy="369332"/>
           </a:xfrm>
           <a:prstGeom prst="rect">
@@ -4702,7 +4854,7 @@
         </p:nvSpPr>
         <p:spPr>
           <a:xfrm>
-            <a:off x="3690981" y="3551684"/>
+            <a:off x="3508101" y="2965661"/>
             <a:ext cx="914400" cy="369332"/>
           </a:xfrm>
           <a:prstGeom prst="rect">
@@ -4740,7 +4892,7 @@
         </p:nvSpPr>
         <p:spPr>
           <a:xfrm>
-            <a:off x="4343399" y="3551684"/>
+            <a:off x="4160519" y="2965661"/>
             <a:ext cx="1240972" cy="369332"/>
           </a:xfrm>
           <a:prstGeom prst="rect">
@@ -4778,7 +4930,7 @@
         </p:nvSpPr>
         <p:spPr>
           <a:xfrm>
-            <a:off x="5108509" y="3902561"/>
+            <a:off x="4925629" y="3316538"/>
             <a:ext cx="914400" cy="369332"/>
           </a:xfrm>
           <a:prstGeom prst="rect">
@@ -4816,7 +4968,7 @@
         </p:nvSpPr>
         <p:spPr>
           <a:xfrm>
-            <a:off x="5430416" y="3510600"/>
+            <a:off x="5247536" y="2924577"/>
             <a:ext cx="914400" cy="369332"/>
           </a:xfrm>
           <a:prstGeom prst="rect">
@@ -4854,7 +5006,7 @@
         </p:nvSpPr>
         <p:spPr>
           <a:xfrm>
-            <a:off x="5638800" y="4040095"/>
+            <a:off x="5455920" y="3454072"/>
             <a:ext cx="914400" cy="369332"/>
           </a:xfrm>
           <a:prstGeom prst="rect">
@@ -4892,7 +5044,7 @@
         </p:nvSpPr>
         <p:spPr>
           <a:xfrm>
-            <a:off x="6475030" y="4021640"/>
+            <a:off x="6292150" y="3435617"/>
             <a:ext cx="1506170" cy="369332"/>
           </a:xfrm>
           <a:prstGeom prst="rect">
@@ -4930,7 +5082,7 @@
         </p:nvSpPr>
         <p:spPr>
           <a:xfrm>
-            <a:off x="6719127" y="3601996"/>
+            <a:off x="6536247" y="3015973"/>
             <a:ext cx="1506170" cy="369332"/>
           </a:xfrm>
           <a:prstGeom prst="rect">
@@ -4946,6 +5098,9 @@
           <a:p>
             <a:r>
               <a:rPr lang="en-GB" dirty="0">
+                <a:solidFill>
+                  <a:srgbClr val="0070C0"/>
+                </a:solidFill>
                 <a:latin typeface="Arial"/>
                 <a:cs typeface="Arial"/>
               </a:rPr>
@@ -4968,7 +5123,7 @@
         </p:nvSpPr>
         <p:spPr>
           <a:xfrm>
-            <a:off x="7649546" y="3933424"/>
+            <a:off x="7534786" y="3410765"/>
             <a:ext cx="914400" cy="369332"/>
           </a:xfrm>
           <a:prstGeom prst="rect">
@@ -4983,12 +5138,16 @@
           <a:lstStyle/>
           <a:p>
             <a:r>
-              <a:rPr lang="en-GB" dirty="0">
+              <a:rPr lang="en-GB" dirty="0" err="1">
                 <a:latin typeface="Arial"/>
                 <a:cs typeface="Arial"/>
               </a:rPr>
-              <a:t>etc</a:t>
-            </a:r>
+              <a:t>SAFe</a:t>
+            </a:r>
+            <a:endParaRPr lang="en-GB" dirty="0">
+              <a:latin typeface="Arial"/>
+              <a:cs typeface="Arial"/>
+            </a:endParaRPr>
           </a:p>
         </p:txBody>
       </p:sp>
@@ -5006,7 +5165,7 @@
         </p:nvSpPr>
         <p:spPr>
           <a:xfrm>
-            <a:off x="7762238" y="3658732"/>
+            <a:off x="8687480" y="3065224"/>
             <a:ext cx="2099388" cy="369332"/>
           </a:xfrm>
           <a:prstGeom prst="rect">
@@ -5044,7 +5203,7 @@
         </p:nvSpPr>
         <p:spPr>
           <a:xfrm>
-            <a:off x="8298025" y="4051410"/>
+            <a:off x="9181190" y="3434556"/>
             <a:ext cx="2220686" cy="369332"/>
           </a:xfrm>
           <a:prstGeom prst="rect">
@@ -5099,7 +5258,7 @@
         </p:blipFill>
         <p:spPr>
           <a:xfrm>
-            <a:off x="991078" y="5294773"/>
+            <a:off x="808198" y="4708750"/>
             <a:ext cx="1146060" cy="764040"/>
           </a:xfrm>
           <a:prstGeom prst="rect">
@@ -5138,7 +5297,7 @@
         </p:blipFill>
         <p:spPr>
           <a:xfrm>
-            <a:off x="2586718" y="5320635"/>
+            <a:off x="2403838" y="4734612"/>
             <a:ext cx="1029291" cy="658746"/>
           </a:xfrm>
           <a:prstGeom prst="rect">
@@ -5175,7 +5334,7 @@
         </p:blipFill>
         <p:spPr bwMode="auto">
           <a:xfrm>
-            <a:off x="4100105" y="5167674"/>
+            <a:off x="3917225" y="4581651"/>
             <a:ext cx="863780" cy="891139"/>
           </a:xfrm>
           <a:prstGeom prst="rect">
@@ -5222,7 +5381,7 @@
         </p:blipFill>
         <p:spPr bwMode="auto">
           <a:xfrm>
-            <a:off x="5447981" y="5092877"/>
+            <a:off x="5265101" y="4506854"/>
             <a:ext cx="1606870" cy="1046199"/>
           </a:xfrm>
           <a:prstGeom prst="rect">
@@ -5269,7 +5428,7 @@
         </p:blipFill>
         <p:spPr bwMode="auto">
           <a:xfrm>
-            <a:off x="7227608" y="5085009"/>
+            <a:off x="7044728" y="4498986"/>
             <a:ext cx="1504092" cy="1000905"/>
           </a:xfrm>
           <a:prstGeom prst="rect">
@@ -5316,7 +5475,7 @@
         </p:blipFill>
         <p:spPr bwMode="auto">
           <a:xfrm>
-            <a:off x="9446150" y="5159346"/>
+            <a:off x="9263270" y="4573323"/>
             <a:ext cx="1281617" cy="852858"/>
           </a:xfrm>
           <a:prstGeom prst="rect">
@@ -5334,6 +5493,124 @@
           </a:extLst>
         </p:spPr>
       </p:pic>
+      <p:sp>
+        <p:nvSpPr>
+          <p:cNvPr id="11" name="TextBox 10">
+            <a:extLst>
+              <a:ext uri="{FF2B5EF4-FFF2-40B4-BE49-F238E27FC236}">
+                <a16:creationId xmlns:a16="http://schemas.microsoft.com/office/drawing/2014/main" id="{D96846F1-7A6C-4BDF-820E-30AF4A9C66B7}"/>
+              </a:ext>
+            </a:extLst>
+          </p:cNvPr>
+          <p:cNvSpPr txBox="1"/>
+          <p:nvPr/>
+        </p:nvSpPr>
+        <p:spPr>
+          <a:xfrm>
+            <a:off x="514219" y="6000299"/>
+            <a:ext cx="10030668" cy="276999"/>
+          </a:xfrm>
+          <a:prstGeom prst="rect">
+            <a:avLst/>
+          </a:prstGeom>
+          <a:noFill/>
+        </p:spPr>
+        <p:txBody>
+          <a:bodyPr wrap="square" rtlCol="0">
+            <a:spAutoFit/>
+          </a:bodyPr>
+          <a:lstStyle/>
+          <a:p>
+            <a:r>
+              <a:rPr lang="en-US" sz="1200" dirty="0"/>
+              <a:t>*Syllabus talks about methodologies and methods as different things. But I not sure I agree on the difference.</a:t>
+            </a:r>
+          </a:p>
+        </p:txBody>
+      </p:sp>
+      <p:sp>
+        <p:nvSpPr>
+          <p:cNvPr id="12" name="TextBox 11">
+            <a:extLst>
+              <a:ext uri="{FF2B5EF4-FFF2-40B4-BE49-F238E27FC236}">
+                <a16:creationId xmlns:a16="http://schemas.microsoft.com/office/drawing/2014/main" id="{83624017-AC04-4D26-AE37-5091764F50AC}"/>
+              </a:ext>
+            </a:extLst>
+          </p:cNvPr>
+          <p:cNvSpPr txBox="1"/>
+          <p:nvPr/>
+        </p:nvSpPr>
+        <p:spPr>
+          <a:xfrm>
+            <a:off x="5747288" y="3059668"/>
+            <a:ext cx="708992" cy="369332"/>
+          </a:xfrm>
+          <a:prstGeom prst="rect">
+            <a:avLst/>
+          </a:prstGeom>
+          <a:noFill/>
+        </p:spPr>
+        <p:txBody>
+          <a:bodyPr wrap="square" rtlCol="0">
+            <a:spAutoFit/>
+          </a:bodyPr>
+          <a:lstStyle/>
+          <a:p>
+            <a:r>
+              <a:rPr lang="en-GB" dirty="0">
+                <a:solidFill>
+                  <a:srgbClr val="0070C0"/>
+                </a:solidFill>
+                <a:latin typeface="Arial"/>
+                <a:cs typeface="Arial"/>
+              </a:rPr>
+              <a:t>TDD</a:t>
+            </a:r>
+          </a:p>
+        </p:txBody>
+      </p:sp>
+      <p:sp>
+        <p:nvSpPr>
+          <p:cNvPr id="49" name="TextBox 48">
+            <a:extLst>
+              <a:ext uri="{FF2B5EF4-FFF2-40B4-BE49-F238E27FC236}">
+                <a16:creationId xmlns:a16="http://schemas.microsoft.com/office/drawing/2014/main" id="{DE0CBDBF-0169-498F-8F68-74B43CAD5848}"/>
+              </a:ext>
+            </a:extLst>
+          </p:cNvPr>
+          <p:cNvSpPr txBox="1"/>
+          <p:nvPr/>
+        </p:nvSpPr>
+        <p:spPr>
+          <a:xfrm>
+            <a:off x="7911730" y="3014515"/>
+            <a:ext cx="914400" cy="369332"/>
+          </a:xfrm>
+          <a:prstGeom prst="rect">
+            <a:avLst/>
+          </a:prstGeom>
+          <a:noFill/>
+        </p:spPr>
+        <p:txBody>
+          <a:bodyPr wrap="square" rtlCol="0">
+            <a:spAutoFit/>
+          </a:bodyPr>
+          <a:lstStyle/>
+          <a:p>
+            <a:r>
+              <a:rPr lang="en-GB" dirty="0" err="1">
+                <a:latin typeface="Arial"/>
+                <a:cs typeface="Arial"/>
+              </a:rPr>
+              <a:t>LeSS</a:t>
+            </a:r>
+            <a:endParaRPr lang="en-GB" dirty="0">
+              <a:latin typeface="Arial"/>
+              <a:cs typeface="Arial"/>
+            </a:endParaRPr>
+          </a:p>
+        </p:txBody>
+      </p:sp>
     </p:spTree>
     <p:extLst>
       <p:ext uri="{BB962C8B-B14F-4D97-AF65-F5344CB8AC3E}">
@@ -5380,11 +5657,13 @@
         <p:spPr>
           <a:xfrm>
             <a:off x="174171" y="1465955"/>
-            <a:ext cx="11582400" cy="5029200"/>
+            <a:ext cx="11582400" cy="1650956"/>
           </a:xfrm>
         </p:spPr>
         <p:txBody>
-          <a:bodyPr/>
+          <a:bodyPr>
+            <a:normAutofit fontScale="92500" lnSpcReduction="10000"/>
+          </a:bodyPr>
           <a:lstStyle/>
           <a:p>
             <a:r>
@@ -5401,7 +5680,7 @@
           <a:p>
             <a:r>
               <a:rPr lang="en-US" dirty="0"/>
-              <a:t>Scale, complexity, quality</a:t>
+              <a:t>Just coding it up does not work when scale or complexity increases. It does not encourage quality or predictability. It does not aid communication.</a:t>
             </a:r>
           </a:p>
         </p:txBody>
@@ -5537,8 +5816,19 @@
                 <a:latin typeface="Arial"/>
                 <a:cs typeface="Arial"/>
               </a:rPr>
-              <a:t>Waterfall or SAFE</a:t>
-            </a:r>
+              <a:t>Waterfall or </a:t>
+            </a:r>
+            <a:r>
+              <a:rPr lang="en-GB" dirty="0" err="1">
+                <a:latin typeface="Arial"/>
+                <a:cs typeface="Arial"/>
+              </a:rPr>
+              <a:t>SAFe</a:t>
+            </a:r>
+            <a:endParaRPr lang="en-GB" dirty="0">
+              <a:latin typeface="Arial"/>
+              <a:cs typeface="Arial"/>
+            </a:endParaRPr>
           </a:p>
         </p:txBody>
       </p:sp>
@@ -6049,22 +6339,418 @@
         <p:spPr>
           <a:xfrm>
             <a:off x="174171" y="1465955"/>
-            <a:ext cx="5004018" cy="5029200"/>
+            <a:ext cx="4731784" cy="5029200"/>
           </a:xfrm>
         </p:spPr>
         <p:txBody>
           <a:bodyPr/>
           <a:lstStyle/>
           <a:p>
+            <a:pPr marL="0" indent="0">
+              <a:buNone/>
+            </a:pPr>
+            <a:r>
+              <a:rPr lang="en-US" sz="2000" b="1" dirty="0"/>
+              <a:t>Analysis</a:t>
+            </a:r>
+          </a:p>
+          <a:p>
+            <a:pPr>
+              <a:buFont typeface="Arial" panose="020B0604020202020204" pitchFamily="34" charset="0"/>
+              <a:buChar char="•"/>
+            </a:pPr>
+            <a:r>
+              <a:rPr lang="en-US" sz="2000" dirty="0"/>
+              <a:t>Understand requirements</a:t>
+            </a:r>
+          </a:p>
+          <a:p>
+            <a:pPr>
+              <a:buFont typeface="Arial" panose="020B0604020202020204" pitchFamily="34" charset="0"/>
+              <a:buChar char="•"/>
+            </a:pPr>
+            <a:r>
+              <a:rPr lang="en-US" sz="2000" dirty="0"/>
+              <a:t>Feasibility study (cost, time, non-functional requirements)</a:t>
+            </a:r>
+          </a:p>
+          <a:p>
+            <a:pPr>
+              <a:buFont typeface="Arial" panose="020B0604020202020204" pitchFamily="34" charset="0"/>
+              <a:buChar char="•"/>
+            </a:pPr>
+            <a:r>
+              <a:rPr lang="en-US" sz="2000" dirty="0"/>
+              <a:t>Write functional spec</a:t>
+            </a:r>
+          </a:p>
+          <a:p>
+            <a:pPr>
+              <a:buFont typeface="Arial" panose="020B0604020202020204" pitchFamily="34" charset="0"/>
+              <a:buChar char="•"/>
+            </a:pPr>
+            <a:r>
+              <a:rPr lang="en-US" sz="2000" dirty="0"/>
+              <a:t>Write high level design doc</a:t>
+            </a:r>
+          </a:p>
+          <a:p>
+            <a:pPr marL="0" indent="0">
+              <a:buNone/>
+            </a:pPr>
+            <a:r>
+              <a:rPr lang="en-US" sz="2000" b="1" dirty="0"/>
+              <a:t>Design</a:t>
+            </a:r>
+          </a:p>
+          <a:p>
+            <a:pPr>
+              <a:buFont typeface="Arial" panose="020B0604020202020204" pitchFamily="34" charset="0"/>
+              <a:buChar char="•"/>
+            </a:pPr>
+            <a:r>
+              <a:rPr lang="en-US" sz="2000" dirty="0"/>
+              <a:t>Write detailed design doc</a:t>
+            </a:r>
+          </a:p>
+          <a:p>
+            <a:pPr marL="0" indent="0">
+              <a:buNone/>
+            </a:pPr>
+            <a:r>
+              <a:rPr lang="en-US" sz="2000" b="1" dirty="0"/>
+              <a:t>Implementation</a:t>
+            </a:r>
+          </a:p>
+          <a:p>
+            <a:pPr>
+              <a:buFont typeface="Arial" panose="020B0604020202020204" pitchFamily="34" charset="0"/>
+              <a:buChar char="•"/>
+            </a:pPr>
+            <a:r>
+              <a:rPr lang="en-US" sz="2000" dirty="0"/>
+              <a:t>Write code/implement design</a:t>
+            </a:r>
+          </a:p>
+          <a:p>
+            <a:pPr>
+              <a:buFont typeface="Arial" panose="020B0604020202020204" pitchFamily="34" charset="0"/>
+              <a:buChar char="•"/>
+            </a:pPr>
+            <a:endParaRPr lang="en-US" dirty="0"/>
+          </a:p>
+        </p:txBody>
+      </p:sp>
+      <p:sp>
+        <p:nvSpPr>
+          <p:cNvPr id="3" name="Title 2"/>
+          <p:cNvSpPr>
+            <a:spLocks noGrp="1"/>
+          </p:cNvSpPr>
+          <p:nvPr>
+            <p:ph type="title"/>
+          </p:nvPr>
+        </p:nvSpPr>
+        <p:spPr/>
+        <p:txBody>
+          <a:bodyPr/>
+          <a:lstStyle/>
+          <a:p>
             <a:r>
               <a:rPr lang="en-US" dirty="0"/>
-              <a:t>See previous session for description of each stage!</a:t>
-            </a:r>
-          </a:p>
+              <a:t>Software Development Methodologies - Waterfall</a:t>
+            </a:r>
+          </a:p>
+        </p:txBody>
+      </p:sp>
+      <p:pic>
+        <p:nvPicPr>
+          <p:cNvPr id="4" name="Picture 4" descr="Image result for waterfall methodology">
+            <a:extLst>
+              <a:ext uri="{FF2B5EF4-FFF2-40B4-BE49-F238E27FC236}">
+                <a16:creationId xmlns:a16="http://schemas.microsoft.com/office/drawing/2014/main" id="{C5201A1E-1B21-4841-8422-1C8118E0EB32}"/>
+              </a:ext>
+            </a:extLst>
+          </p:cNvPr>
+          <p:cNvPicPr>
+            <a:picLocks noChangeAspect="1" noChangeArrowheads="1"/>
+          </p:cNvPicPr>
+          <p:nvPr/>
+        </p:nvPicPr>
+        <p:blipFill>
+          <a:blip r:embed="rId2">
+            <a:extLst>
+              <a:ext uri="{28A0092B-C50C-407E-A947-70E740481C1C}">
+                <a14:useLocalDpi xmlns:a14="http://schemas.microsoft.com/office/drawing/2010/main" val="0"/>
+              </a:ext>
+            </a:extLst>
+          </a:blip>
+          <a:srcRect/>
+          <a:stretch>
+            <a:fillRect/>
+          </a:stretch>
+        </p:blipFill>
+        <p:spPr bwMode="auto">
+          <a:xfrm>
+            <a:off x="6547913" y="1460874"/>
+            <a:ext cx="5644087" cy="2519681"/>
+          </a:xfrm>
+          <a:prstGeom prst="rect">
+            <a:avLst/>
+          </a:prstGeom>
+          <a:noFill/>
+          <a:extLst>
+            <a:ext uri="{909E8E84-426E-40DD-AFC4-6F175D3DCCD1}">
+              <a14:hiddenFill xmlns:a14="http://schemas.microsoft.com/office/drawing/2010/main">
+                <a:solidFill>
+                  <a:srgbClr val="FFFFFF"/>
+                </a:solidFill>
+              </a14:hiddenFill>
+            </a:ext>
+          </a:extLst>
+        </p:spPr>
+      </p:pic>
+      <p:cxnSp>
+        <p:nvCxnSpPr>
+          <p:cNvPr id="15" name="Connector: Elbow 14">
+            <a:extLst>
+              <a:ext uri="{FF2B5EF4-FFF2-40B4-BE49-F238E27FC236}">
+                <a16:creationId xmlns:a16="http://schemas.microsoft.com/office/drawing/2014/main" id="{8244732E-5931-4FA0-88D3-E4A80B96022F}"/>
+              </a:ext>
+            </a:extLst>
+          </p:cNvPr>
+          <p:cNvCxnSpPr/>
+          <p:nvPr/>
+        </p:nvCxnSpPr>
+        <p:spPr bwMode="auto">
+          <a:xfrm>
+            <a:off x="6096000" y="3535560"/>
+            <a:ext cx="914400" cy="914400"/>
+          </a:xfrm>
+          <a:prstGeom prst="bentConnector3">
+            <a:avLst/>
+          </a:prstGeom>
+          <a:solidFill>
+            <a:srgbClr val="3374D4"/>
+          </a:solidFill>
+          <a:ln w="9525" cap="flat" cmpd="sng" algn="ctr">
+            <a:noFill/>
+            <a:prstDash val="solid"/>
+            <a:round/>
+            <a:headEnd type="none" w="med" len="med"/>
+            <a:tailEnd type="none" w="med" len="med"/>
+          </a:ln>
+          <a:effectLst/>
+        </p:spPr>
+      </p:cxnSp>
+      <p:sp>
+        <p:nvSpPr>
+          <p:cNvPr id="6" name="TextBox 5">
+            <a:extLst>
+              <a:ext uri="{FF2B5EF4-FFF2-40B4-BE49-F238E27FC236}">
+                <a16:creationId xmlns:a16="http://schemas.microsoft.com/office/drawing/2014/main" id="{3AA9EF8A-047C-4CE4-8D2E-A3309CC0C040}"/>
+              </a:ext>
+            </a:extLst>
+          </p:cNvPr>
+          <p:cNvSpPr txBox="1"/>
+          <p:nvPr/>
+        </p:nvSpPr>
+        <p:spPr>
+          <a:xfrm>
+            <a:off x="5168348" y="2957885"/>
+            <a:ext cx="6432605" cy="2898102"/>
+          </a:xfrm>
+          <a:prstGeom prst="rect">
+            <a:avLst/>
+          </a:prstGeom>
+          <a:noFill/>
+        </p:spPr>
+        <p:txBody>
+          <a:bodyPr wrap="square" rtlCol="0">
+            <a:spAutoFit/>
+          </a:bodyPr>
+          <a:lstStyle/>
+          <a:p>
+            <a:r>
+              <a:rPr lang="en-GB" sz="2000" b="1" dirty="0">
+                <a:latin typeface="Arial"/>
+                <a:cs typeface="Arial"/>
+              </a:rPr>
+              <a:t>Testing</a:t>
+            </a:r>
+          </a:p>
+          <a:p>
+            <a:pPr marL="285750" indent="-285750">
+              <a:buFont typeface="Arial" panose="020B0604020202020204" pitchFamily="34" charset="0"/>
+              <a:buChar char="•"/>
+            </a:pPr>
+            <a:r>
+              <a:rPr lang="en-GB" sz="2000" dirty="0">
+                <a:latin typeface="Arial"/>
+                <a:cs typeface="Arial"/>
+              </a:rPr>
+              <a:t>Write test specs</a:t>
+            </a:r>
+          </a:p>
+          <a:p>
+            <a:pPr marL="285750" indent="-285750">
+              <a:buFont typeface="Arial" panose="020B0604020202020204" pitchFamily="34" charset="0"/>
+              <a:buChar char="•"/>
+            </a:pPr>
+            <a:r>
+              <a:rPr lang="en-GB" sz="2000" dirty="0">
+                <a:latin typeface="Arial"/>
+                <a:cs typeface="Arial"/>
+              </a:rPr>
+              <a:t>Manually run Integration tests</a:t>
+            </a:r>
+          </a:p>
+          <a:p>
+            <a:pPr marL="285750" indent="-285750">
+              <a:buFont typeface="Arial" panose="020B0604020202020204" pitchFamily="34" charset="0"/>
+              <a:buChar char="•"/>
+            </a:pPr>
+            <a:r>
+              <a:rPr lang="en-GB" sz="2000" dirty="0">
+                <a:cs typeface="Arial"/>
+              </a:rPr>
+              <a:t>Manually run Factory </a:t>
+            </a:r>
+            <a:r>
+              <a:rPr lang="en-GB" sz="2000" dirty="0">
+                <a:latin typeface="Arial"/>
+                <a:cs typeface="Arial"/>
+              </a:rPr>
+              <a:t>Acceptance Tests (FAT)</a:t>
+            </a:r>
+          </a:p>
+          <a:p>
+            <a:pPr marL="285750" indent="-285750">
+              <a:buFont typeface="Arial" panose="020B0604020202020204" pitchFamily="34" charset="0"/>
+              <a:buChar char="•"/>
+            </a:pPr>
+            <a:r>
+              <a:rPr lang="en-GB" sz="2000" dirty="0">
+                <a:cs typeface="Arial"/>
+              </a:rPr>
+              <a:t>Manually run User </a:t>
+            </a:r>
+            <a:r>
+              <a:rPr lang="en-GB" sz="2000" dirty="0">
+                <a:latin typeface="Arial"/>
+                <a:cs typeface="Arial"/>
+              </a:rPr>
+              <a:t>Acceptance Tests (UAT)</a:t>
+            </a:r>
+          </a:p>
+          <a:p>
+            <a:r>
+              <a:rPr lang="en-GB" sz="2000" b="1" dirty="0">
+                <a:latin typeface="Arial"/>
+                <a:cs typeface="Arial"/>
+              </a:rPr>
+              <a:t>Deployment</a:t>
+            </a:r>
+          </a:p>
+          <a:p>
+            <a:pPr marL="342900" indent="-342900">
+              <a:buFont typeface="Arial" panose="020B0604020202020204" pitchFamily="34" charset="0"/>
+              <a:buChar char="•"/>
+            </a:pPr>
+            <a:r>
+              <a:rPr lang="en-GB" sz="2000" dirty="0">
+                <a:latin typeface="Arial"/>
+                <a:cs typeface="Arial"/>
+              </a:rPr>
+              <a:t>Manually install?</a:t>
+            </a:r>
+          </a:p>
+          <a:p>
+            <a:r>
+              <a:rPr lang="en-GB" sz="2000" b="1" dirty="0">
+                <a:latin typeface="Arial"/>
+                <a:cs typeface="Arial"/>
+              </a:rPr>
+              <a:t>Maintenance</a:t>
+            </a:r>
+          </a:p>
+          <a:p>
+            <a:pPr marL="342900" indent="-342900">
+              <a:buFont typeface="Arial" panose="020B0604020202020204" pitchFamily="34" charset="0"/>
+              <a:buChar char="•"/>
+            </a:pPr>
+            <a:r>
+              <a:rPr lang="en-GB" sz="2000" dirty="0">
+                <a:latin typeface="Arial"/>
+                <a:cs typeface="Arial"/>
+              </a:rPr>
+              <a:t>Fix all the bugs?</a:t>
+            </a:r>
+          </a:p>
+        </p:txBody>
+      </p:sp>
+    </p:spTree>
+    <p:extLst>
+      <p:ext uri="{BB962C8B-B14F-4D97-AF65-F5344CB8AC3E}">
+        <p14:creationId xmlns:p14="http://schemas.microsoft.com/office/powerpoint/2010/main" val="1267572639"/>
+      </p:ext>
+    </p:extLst>
+  </p:cSld>
+  <p:clrMapOvr>
+    <a:masterClrMapping/>
+  </p:clrMapOvr>
+  <p:transition>
+    <p:wipe dir="r"/>
+  </p:transition>
+</p:sld>
+</file>
+
+<file path=ppt/slides/slide6.xml><?xml version="1.0" encoding="utf-8"?>
+<p:sld xmlns:a="http://schemas.openxmlformats.org/drawingml/2006/main" xmlns:r="http://schemas.openxmlformats.org/officeDocument/2006/relationships" xmlns:p="http://schemas.openxmlformats.org/presentationml/2006/main">
+  <p:cSld>
+    <p:spTree>
+      <p:nvGrpSpPr>
+        <p:cNvPr id="1" name=""/>
+        <p:cNvGrpSpPr/>
+        <p:nvPr/>
+      </p:nvGrpSpPr>
+      <p:grpSpPr>
+        <a:xfrm>
+          <a:off x="0" y="0"/>
+          <a:ext cx="0" cy="0"/>
+          <a:chOff x="0" y="0"/>
+          <a:chExt cx="0" cy="0"/>
+        </a:xfrm>
+      </p:grpSpPr>
+      <p:sp>
+        <p:nvSpPr>
+          <p:cNvPr id="2" name="Content Placeholder 1"/>
+          <p:cNvSpPr>
+            <a:spLocks noGrp="1"/>
+          </p:cNvSpPr>
+          <p:nvPr>
+            <p:ph idx="1"/>
+          </p:nvPr>
+        </p:nvSpPr>
+        <p:spPr>
+          <a:xfrm>
+            <a:off x="174171" y="1465955"/>
+            <a:ext cx="5004018" cy="5029200"/>
+          </a:xfrm>
+        </p:spPr>
+        <p:txBody>
+          <a:bodyPr/>
+          <a:lstStyle/>
           <a:p>
             <a:r>
               <a:rPr lang="en-US" dirty="0"/>
-              <a:t>Requirements gathering sometimes done by customer before starting.</a:t>
+              <a:t>Requirements gathering done by “customer” before starting.</a:t>
+            </a:r>
+          </a:p>
+          <a:p>
+            <a:r>
+              <a:rPr lang="en-US" dirty="0"/>
+              <a:t>Each stage produces documents for the next stage!</a:t>
             </a:r>
           </a:p>
           <a:p>
@@ -6076,13 +6762,7 @@
           <a:p>
             <a:r>
               <a:rPr lang="en-US" dirty="0"/>
-              <a:t>Each stage produces documents for the next stage!</a:t>
-            </a:r>
-          </a:p>
-          <a:p>
-            <a:r>
-              <a:rPr lang="en-US" dirty="0"/>
-              <a:t>Integration, FAT and UAT tests all done at end of dev!</a:t>
+              <a:t>Tests all done at end of dev!</a:t>
             </a:r>
           </a:p>
           <a:p>
@@ -6279,8 +6959,8 @@
               <p14:nvPr/>
             </p14:nvContentPartPr>
             <p14:xfrm>
-              <a:off x="8715556" y="2724311"/>
-              <a:ext cx="399240" cy="275400"/>
+              <a:off x="9013996" y="2864351"/>
+              <a:ext cx="100800" cy="135720"/>
             </p14:xfrm>
           </p:contentPart>
         </mc:Choice>
@@ -6645,8 +7325,8 @@
           </a:p>
         </p:txBody>
       </p:sp>
-      <mc:AlternateContent xmlns:mc="http://schemas.openxmlformats.org/markup-compatibility/2006">
-        <mc:Choice xmlns:p14="http://schemas.microsoft.com/office/powerpoint/2010/main" Requires="p14">
+      <mc:AlternateContent xmlns:mc="http://schemas.openxmlformats.org/markup-compatibility/2006" xmlns:p14="http://schemas.microsoft.com/office/powerpoint/2010/main">
+        <mc:Choice Requires="p14">
           <p:contentPart p14:bwMode="auto" r:id="rId13">
             <p14:nvContentPartPr>
               <p14:cNvPr id="10" name="Ink 9">
@@ -6665,7 +7345,7 @@
             </p14:xfrm>
           </p:contentPart>
         </mc:Choice>
-        <mc:Fallback>
+        <mc:Fallback xmlns="">
           <p:pic>
             <p:nvPicPr>
               <p:cNvPr id="10" name="Ink 9">
@@ -6805,8 +7485,8 @@
           </a:p>
         </p:txBody>
       </p:sp>
-      <mc:AlternateContent xmlns:mc="http://schemas.openxmlformats.org/markup-compatibility/2006">
-        <mc:Choice xmlns:p14="http://schemas.microsoft.com/office/powerpoint/2010/main" Requires="p14">
+      <mc:AlternateContent xmlns:mc="http://schemas.openxmlformats.org/markup-compatibility/2006" xmlns:p14="http://schemas.microsoft.com/office/powerpoint/2010/main">
+        <mc:Choice Requires="p14">
           <p:contentPart p14:bwMode="auto" r:id="rId15">
             <p14:nvContentPartPr>
               <p14:cNvPr id="22" name="Ink 21">
@@ -6825,7 +7505,7 @@
             </p14:xfrm>
           </p:contentPart>
         </mc:Choice>
-        <mc:Fallback>
+        <mc:Fallback xmlns="">
           <p:pic>
             <p:nvPicPr>
               <p:cNvPr id="22" name="Ink 21">
@@ -6856,8 +7536,8 @@
           </p:pic>
         </mc:Fallback>
       </mc:AlternateContent>
-      <mc:AlternateContent xmlns:mc="http://schemas.openxmlformats.org/markup-compatibility/2006">
-        <mc:Choice xmlns:p14="http://schemas.microsoft.com/office/powerpoint/2010/main" Requires="p14">
+      <mc:AlternateContent xmlns:mc="http://schemas.openxmlformats.org/markup-compatibility/2006" xmlns:p14="http://schemas.microsoft.com/office/powerpoint/2010/main">
+        <mc:Choice Requires="p14">
           <p:contentPart p14:bwMode="auto" r:id="rId17">
             <p14:nvContentPartPr>
               <p14:cNvPr id="29" name="Ink 28">
@@ -6876,7 +7556,7 @@
             </p14:xfrm>
           </p:contentPart>
         </mc:Choice>
-        <mc:Fallback>
+        <mc:Fallback xmlns="">
           <p:pic>
             <p:nvPicPr>
               <p:cNvPr id="29" name="Ink 28">
@@ -6945,8 +7625,8 @@
           </a:p>
         </p:txBody>
       </p:sp>
-      <mc:AlternateContent xmlns:mc="http://schemas.openxmlformats.org/markup-compatibility/2006">
-        <mc:Choice xmlns:p14="http://schemas.microsoft.com/office/powerpoint/2010/main" Requires="p14">
+      <mc:AlternateContent xmlns:mc="http://schemas.openxmlformats.org/markup-compatibility/2006" xmlns:p14="http://schemas.microsoft.com/office/powerpoint/2010/main">
+        <mc:Choice Requires="p14">
           <p:contentPart p14:bwMode="auto" r:id="rId19">
             <p14:nvContentPartPr>
               <p14:cNvPr id="34" name="Ink 33">
@@ -6965,7 +7645,7 @@
             </p14:xfrm>
           </p:contentPart>
         </mc:Choice>
-        <mc:Fallback>
+        <mc:Fallback xmlns="">
           <p:pic>
             <p:nvPicPr>
               <p:cNvPr id="34" name="Ink 33">
@@ -7034,8 +7714,8 @@
           </a:p>
         </p:txBody>
       </p:sp>
-      <mc:AlternateContent xmlns:mc="http://schemas.openxmlformats.org/markup-compatibility/2006">
-        <mc:Choice xmlns:p14="http://schemas.microsoft.com/office/powerpoint/2010/main" Requires="p14">
+      <mc:AlternateContent xmlns:mc="http://schemas.openxmlformats.org/markup-compatibility/2006" xmlns:p14="http://schemas.microsoft.com/office/powerpoint/2010/main">
+        <mc:Choice Requires="p14">
           <p:contentPart p14:bwMode="auto" r:id="rId21">
             <p14:nvContentPartPr>
               <p14:cNvPr id="38" name="Ink 37">
@@ -7054,7 +7734,7 @@
             </p14:xfrm>
           </p:contentPart>
         </mc:Choice>
-        <mc:Fallback>
+        <mc:Fallback xmlns="">
           <p:pic>
             <p:nvPicPr>
               <p:cNvPr id="38" name="Ink 37">
@@ -7085,6 +7765,108 @@
           </p:pic>
         </mc:Fallback>
       </mc:AlternateContent>
+      <mc:AlternateContent xmlns:mc="http://schemas.openxmlformats.org/markup-compatibility/2006">
+        <mc:Choice xmlns:p14="http://schemas.microsoft.com/office/powerpoint/2010/main" Requires="p14">
+          <p:contentPart p14:bwMode="auto" r:id="rId23">
+            <p14:nvContentPartPr>
+              <p14:cNvPr id="6" name="Ink 5">
+                <a:extLst>
+                  <a:ext uri="{FF2B5EF4-FFF2-40B4-BE49-F238E27FC236}">
+                    <a16:creationId xmlns:a16="http://schemas.microsoft.com/office/drawing/2014/main" id="{65BC0A67-D4CC-4187-9D2E-6EC4CF00AC05}"/>
+                  </a:ext>
+                </a:extLst>
+              </p14:cNvPr>
+              <p14:cNvContentPartPr/>
+              <p14:nvPr/>
+            </p14:nvContentPartPr>
+            <p14:xfrm>
+              <a:off x="4374250" y="1888497"/>
+              <a:ext cx="360" cy="360"/>
+            </p14:xfrm>
+          </p:contentPart>
+        </mc:Choice>
+        <mc:Fallback>
+          <p:pic>
+            <p:nvPicPr>
+              <p:cNvPr id="6" name="Ink 5">
+                <a:extLst>
+                  <a:ext uri="{FF2B5EF4-FFF2-40B4-BE49-F238E27FC236}">
+                    <a16:creationId xmlns:a16="http://schemas.microsoft.com/office/drawing/2014/main" id="{65BC0A67-D4CC-4187-9D2E-6EC4CF00AC05}"/>
+                  </a:ext>
+                </a:extLst>
+              </p:cNvPr>
+              <p:cNvPicPr/>
+              <p:nvPr/>
+            </p:nvPicPr>
+            <p:blipFill>
+              <a:blip r:embed="rId24"/>
+              <a:stretch>
+                <a:fillRect/>
+              </a:stretch>
+            </p:blipFill>
+            <p:spPr>
+              <a:xfrm>
+                <a:off x="4365610" y="1879857"/>
+                <a:ext cx="18000" cy="18000"/>
+              </a:xfrm>
+              <a:prstGeom prst="rect">
+                <a:avLst/>
+              </a:prstGeom>
+            </p:spPr>
+          </p:pic>
+        </mc:Fallback>
+      </mc:AlternateContent>
+      <mc:AlternateContent xmlns:mc="http://schemas.openxmlformats.org/markup-compatibility/2006">
+        <mc:Choice xmlns:p14="http://schemas.microsoft.com/office/powerpoint/2010/main" Requires="p14">
+          <p:contentPart p14:bwMode="auto" r:id="rId25">
+            <p14:nvContentPartPr>
+              <p14:cNvPr id="21" name="Ink 20">
+                <a:extLst>
+                  <a:ext uri="{FF2B5EF4-FFF2-40B4-BE49-F238E27FC236}">
+                    <a16:creationId xmlns:a16="http://schemas.microsoft.com/office/drawing/2014/main" id="{65AE091A-8B5C-4DB1-B481-D35D596B48E0}"/>
+                  </a:ext>
+                </a:extLst>
+              </p14:cNvPr>
+              <p14:cNvContentPartPr/>
+              <p14:nvPr/>
+            </p14:nvContentPartPr>
+            <p14:xfrm>
+              <a:off x="8723050" y="2927457"/>
+              <a:ext cx="408600" cy="26280"/>
+            </p14:xfrm>
+          </p:contentPart>
+        </mc:Choice>
+        <mc:Fallback>
+          <p:pic>
+            <p:nvPicPr>
+              <p:cNvPr id="21" name="Ink 20">
+                <a:extLst>
+                  <a:ext uri="{FF2B5EF4-FFF2-40B4-BE49-F238E27FC236}">
+                    <a16:creationId xmlns:a16="http://schemas.microsoft.com/office/drawing/2014/main" id="{65AE091A-8B5C-4DB1-B481-D35D596B48E0}"/>
+                  </a:ext>
+                </a:extLst>
+              </p:cNvPr>
+              <p:cNvPicPr/>
+              <p:nvPr/>
+            </p:nvPicPr>
+            <p:blipFill>
+              <a:blip r:embed="rId26"/>
+              <a:stretch>
+                <a:fillRect/>
+              </a:stretch>
+            </p:blipFill>
+            <p:spPr>
+              <a:xfrm>
+                <a:off x="8714410" y="2918457"/>
+                <a:ext cx="426240" cy="43920"/>
+              </a:xfrm>
+              <a:prstGeom prst="rect">
+                <a:avLst/>
+              </a:prstGeom>
+            </p:spPr>
+          </p:pic>
+        </mc:Fallback>
+      </mc:AlternateContent>
     </p:spTree>
     <p:extLst>
       <p:ext uri="{BB962C8B-B14F-4D97-AF65-F5344CB8AC3E}">
@@ -7101,7 +7883,7 @@
 </p:sld>
 </file>
 
-<file path=ppt/slides/slide6.xml><?xml version="1.0" encoding="utf-8"?>
+<file path=ppt/slides/slide7.xml><?xml version="1.0" encoding="utf-8"?>
 <p:sld xmlns:a="http://schemas.openxmlformats.org/drawingml/2006/main" xmlns:r="http://schemas.openxmlformats.org/officeDocument/2006/relationships" xmlns:p="http://schemas.openxmlformats.org/presentationml/2006/main">
   <p:cSld>
     <p:spTree>
@@ -7446,7 +8228,7 @@
           <a:p>
             <a:r>
               <a:rPr lang="en-US" kern="0" dirty="0"/>
-              <a:t>“analysis paralysis” – complicated problems can stay in analysis stage for a long time</a:t>
+              <a:t>“analysis paralysis” possible – complicated problems can stay in analysis stage for a long time</a:t>
             </a:r>
           </a:p>
           <a:p>
@@ -7479,7 +8261,7 @@
 </p:sld>
 </file>
 
-<file path=ppt/slides/slide7.xml><?xml version="1.0" encoding="utf-8"?>
+<file path=ppt/slides/slide8.xml><?xml version="1.0" encoding="utf-8"?>
 <p:sld xmlns:a="http://schemas.openxmlformats.org/drawingml/2006/main" xmlns:r="http://schemas.openxmlformats.org/officeDocument/2006/relationships" xmlns:p="http://schemas.openxmlformats.org/presentationml/2006/main">
   <p:cSld>
     <p:spTree>
@@ -7513,7 +8295,9 @@
           </a:xfrm>
         </p:spPr>
         <p:txBody>
-          <a:bodyPr/>
+          <a:bodyPr>
+            <a:normAutofit fontScale="92500" lnSpcReduction="10000"/>
+          </a:bodyPr>
           <a:lstStyle/>
           <a:p>
             <a:r>
@@ -7524,7 +8308,7 @@
           <a:p>
             <a:r>
               <a:rPr lang="en-US" dirty="0"/>
-              <a:t>Iterative – text book example</a:t>
+              <a:t>Iterative and Agile – text book example</a:t>
             </a:r>
           </a:p>
           <a:p>
@@ -7536,7 +8320,13 @@
           <a:p>
             <a:r>
               <a:rPr lang="en-US" dirty="0"/>
-              <a:t>Each sprint contains refinement(analysis), development, test and deployment</a:t>
+              <a:t>“Sprint zero” to create and prioritize backlog and do analysis and feasibility </a:t>
+            </a:r>
+          </a:p>
+          <a:p>
+            <a:r>
+              <a:rPr lang="en-US" dirty="0"/>
+              <a:t>Each subsequent sprint contains refinement(analysis), development, test, deployment, and review/demo</a:t>
             </a:r>
           </a:p>
           <a:p>
@@ -7688,7 +8478,7 @@
 </p:sld>
 </file>
 
-<file path=ppt/slides/slide8.xml><?xml version="1.0" encoding="utf-8"?>
+<file path=ppt/slides/slide9.xml><?xml version="1.0" encoding="utf-8"?>
 <p:sld xmlns:a="http://schemas.openxmlformats.org/drawingml/2006/main" xmlns:r="http://schemas.openxmlformats.org/officeDocument/2006/relationships" xmlns:p="http://schemas.openxmlformats.org/presentationml/2006/main">
   <p:cSld>
     <p:spTree>
@@ -8069,105 +8859,18 @@
               <a:t>Requires commitment to quality</a:t>
             </a:r>
           </a:p>
+          <a:p>
+            <a:r>
+              <a:rPr lang="en-US" kern="0" dirty="0"/>
+              <a:t>Analysis and feasibility may get de-emphasized?</a:t>
+            </a:r>
+          </a:p>
         </p:txBody>
       </p:sp>
     </p:spTree>
     <p:extLst>
       <p:ext uri="{BB962C8B-B14F-4D97-AF65-F5344CB8AC3E}">
         <p14:creationId xmlns:p14="http://schemas.microsoft.com/office/powerpoint/2010/main" val="830479523"/>
-      </p:ext>
-    </p:extLst>
-  </p:cSld>
-  <p:clrMapOvr>
-    <a:masterClrMapping/>
-  </p:clrMapOvr>
-  <p:transition>
-    <p:wipe dir="r"/>
-  </p:transition>
-</p:sld>
-</file>
-
-<file path=ppt/slides/slide9.xml><?xml version="1.0" encoding="utf-8"?>
-<p:sld xmlns:a="http://schemas.openxmlformats.org/drawingml/2006/main" xmlns:r="http://schemas.openxmlformats.org/officeDocument/2006/relationships" xmlns:p="http://schemas.openxmlformats.org/presentationml/2006/main">
-  <p:cSld>
-    <p:spTree>
-      <p:nvGrpSpPr>
-        <p:cNvPr id="1" name=""/>
-        <p:cNvGrpSpPr/>
-        <p:nvPr/>
-      </p:nvGrpSpPr>
-      <p:grpSpPr>
-        <a:xfrm>
-          <a:off x="0" y="0"/>
-          <a:ext cx="0" cy="0"/>
-          <a:chOff x="0" y="0"/>
-          <a:chExt cx="0" cy="0"/>
-        </a:xfrm>
-      </p:grpSpPr>
-      <p:pic>
-        <p:nvPicPr>
-          <p:cNvPr id="5" name="Content Placeholder 4">
-            <a:extLst>
-              <a:ext uri="{FF2B5EF4-FFF2-40B4-BE49-F238E27FC236}">
-                <a16:creationId xmlns:a16="http://schemas.microsoft.com/office/drawing/2014/main" id="{3C3E7371-412F-40B8-8740-6BB962FA9C9F}"/>
-              </a:ext>
-            </a:extLst>
-          </p:cNvPr>
-          <p:cNvPicPr>
-            <a:picLocks noGrp="1" noChangeAspect="1"/>
-          </p:cNvPicPr>
-          <p:nvPr>
-            <p:ph idx="1"/>
-          </p:nvPr>
-        </p:nvPicPr>
-        <p:blipFill>
-          <a:blip r:embed="rId2">
-            <a:extLst>
-              <a:ext uri="{28A0092B-C50C-407E-A947-70E740481C1C}">
-                <a14:useLocalDpi xmlns:a14="http://schemas.microsoft.com/office/drawing/2010/main" val="0"/>
-              </a:ext>
-              <a:ext uri="{837473B0-CC2E-450A-ABE3-18F120FF3D39}">
-                <a1611:picAttrSrcUrl xmlns:a1611="http://schemas.microsoft.com/office/drawing/2016/11/main" r:id="rId3"/>
-              </a:ext>
-            </a:extLst>
-          </a:blip>
-          <a:stretch>
-            <a:fillRect/>
-          </a:stretch>
-        </p:blipFill>
-        <p:spPr>
-          <a:xfrm>
-            <a:off x="3768725" y="1493514"/>
-            <a:ext cx="4394200" cy="4394200"/>
-          </a:xfrm>
-        </p:spPr>
-      </p:pic>
-      <p:sp>
-        <p:nvSpPr>
-          <p:cNvPr id="3" name="Title 2"/>
-          <p:cNvSpPr>
-            <a:spLocks noGrp="1"/>
-          </p:cNvSpPr>
-          <p:nvPr>
-            <p:ph type="title"/>
-          </p:nvPr>
-        </p:nvSpPr>
-        <p:spPr/>
-        <p:txBody>
-          <a:bodyPr/>
-          <a:lstStyle/>
-          <a:p>
-            <a:r>
-              <a:rPr lang="en-US" dirty="0"/>
-              <a:t>Software Development Methodologies – Questions?</a:t>
-            </a:r>
-          </a:p>
-        </p:txBody>
-      </p:sp>
-    </p:spTree>
-    <p:extLst>
-      <p:ext uri="{BB962C8B-B14F-4D97-AF65-F5344CB8AC3E}">
-        <p14:creationId xmlns:p14="http://schemas.microsoft.com/office/powerpoint/2010/main" val="183255744"/>
       </p:ext>
     </p:extLst>
   </p:cSld>
